--- a/AutoPPT-main/something.pptx
+++ b/AutoPPT-main/something.pptx
@@ -14,12 +14,6 @@
     <p:sldId id="262" r:id="rId13"/>
     <p:sldId id="263" r:id="rId14"/>
     <p:sldId id="264" r:id="rId15"/>
-    <p:sldId id="265" r:id="rId16"/>
-    <p:sldId id="266" r:id="rId17"/>
-    <p:sldId id="267" r:id="rId18"/>
-    <p:sldId id="268" r:id="rId19"/>
-    <p:sldId id="269" r:id="rId20"/>
-    <p:sldId id="270" r:id="rId21"/>
   </p:sldIdLst>
   <p:sldSz cx="9144000" cy="6858000" type="screen4x3"/>
   <p:notesSz cx="6858000" cy="9144000"/>
@@ -3118,7 +3112,7 @@
           <a:lstStyle/>
           <a:p>
             <a:r>
-              <a:t>Rose</a:t>
+              <a:t>Sadness</a:t>
             </a:r>
           </a:p>
         </p:txBody>
@@ -3139,367 +3133,7 @@
           <a:lstStyle/>
           <a:p>
             <a:r>
-              <a:t> by python for :)</a:t>
-            </a:r>
-          </a:p>
-        </p:txBody>
-      </p:sp>
-    </p:spTree>
-  </p:cSld>
-  <p:clrMapOvr>
-    <a:masterClrMapping/>
-  </p:clrMapOvr>
-</p:sld>
-</file>
-
-<file path=ppt/slides/slide10.xml><?xml version="1.0" encoding="utf-8"?>
-<p:sld xmlns:a="http://schemas.openxmlformats.org/drawingml/2006/main" xmlns:p="http://schemas.openxmlformats.org/presentationml/2006/main" xmlns:r="http://schemas.openxmlformats.org/officeDocument/2006/relationships">
-  <p:cSld>
-    <p:spTree>
-      <p:nvGrpSpPr>
-        <p:cNvPr id="1" name=""/>
-        <p:cNvGrpSpPr/>
-        <p:nvPr/>
-      </p:nvGrpSpPr>
-      <p:grpSpPr/>
-      <p:sp>
-        <p:nvSpPr>
-          <p:cNvPr id="2" name="Title 1"/>
-          <p:cNvSpPr>
-            <a:spLocks noGrp="1"/>
-          </p:cNvSpPr>
-          <p:nvPr>
-            <p:ph type="title"/>
-          </p:nvPr>
-        </p:nvSpPr>
-        <p:spPr/>
-        <p:txBody>
-          <a:bodyPr/>
-          <a:lstStyle/>
-          <a:p>
-            <a:r>
-              <a:t>Cut flowers</a:t>
-            </a:r>
-          </a:p>
-        </p:txBody>
-      </p:sp>
-      <p:sp>
-        <p:nvSpPr>
-          <p:cNvPr id="3" name="Content Placeholder 2"/>
-          <p:cNvSpPr>
-            <a:spLocks noGrp="1"/>
-          </p:cNvSpPr>
-          <p:nvPr>
-            <p:ph idx="1"/>
-          </p:nvPr>
-        </p:nvSpPr>
-        <p:spPr/>
-        <p:txBody>
-          <a:bodyPr/>
-          <a:lstStyle/>
-          <a:p>
-            <a:r>
-              <a:t>Cut flowersp Roses are a popular crop for both domestic and commercial cut flowers.</a:t>
-            </a:r>
-          </a:p>
-        </p:txBody>
-      </p:sp>
-    </p:spTree>
-  </p:cSld>
-  <p:clrMapOvr>
-    <a:masterClrMapping/>
-  </p:clrMapOvr>
-</p:sld>
-</file>
-
-<file path=ppt/slides/slide11.xml><?xml version="1.0" encoding="utf-8"?>
-<p:sld xmlns:a="http://schemas.openxmlformats.org/drawingml/2006/main" xmlns:p="http://schemas.openxmlformats.org/presentationml/2006/main" xmlns:r="http://schemas.openxmlformats.org/officeDocument/2006/relationships">
-  <p:cSld>
-    <p:spTree>
-      <p:nvGrpSpPr>
-        <p:cNvPr id="1" name=""/>
-        <p:cNvGrpSpPr/>
-        <p:nvPr/>
-      </p:nvGrpSpPr>
-      <p:grpSpPr/>
-      <p:sp>
-        <p:nvSpPr>
-          <p:cNvPr id="2" name="Title 1"/>
-          <p:cNvSpPr>
-            <a:spLocks noGrp="1"/>
-          </p:cNvSpPr>
-          <p:nvPr>
-            <p:ph type="title"/>
-          </p:nvPr>
-        </p:nvSpPr>
-        <p:spPr/>
-        <p:txBody>
-          <a:bodyPr/>
-          <a:lstStyle/>
-          <a:p>
-            <a:r>
-              <a:t>Perfume</a:t>
-            </a:r>
-          </a:p>
-        </p:txBody>
-      </p:sp>
-      <p:sp>
-        <p:nvSpPr>
-          <p:cNvPr id="3" name="Content Placeholder 2"/>
-          <p:cNvSpPr>
-            <a:spLocks noGrp="1"/>
-          </p:cNvSpPr>
-          <p:nvPr>
-            <p:ph idx="1"/>
-          </p:nvPr>
-        </p:nvSpPr>
-        <p:spPr/>
-        <p:txBody>
-          <a:bodyPr/>
-          <a:lstStyle/>
-          <a:p>
-            <a:r>
-              <a:t>Perfumep Rose perfumes are made from rose oil (also called attar of roses), which is a mixture of volatile essential oils obtained by steam distilling the crushed petals of roses.</a:t>
-            </a:r>
-          </a:p>
-        </p:txBody>
-      </p:sp>
-    </p:spTree>
-  </p:cSld>
-  <p:clrMapOvr>
-    <a:masterClrMapping/>
-  </p:clrMapOvr>
-</p:sld>
-</file>
-
-<file path=ppt/slides/slide12.xml><?xml version="1.0" encoding="utf-8"?>
-<p:sld xmlns:a="http://schemas.openxmlformats.org/drawingml/2006/main" xmlns:p="http://schemas.openxmlformats.org/presentationml/2006/main" xmlns:r="http://schemas.openxmlformats.org/officeDocument/2006/relationships">
-  <p:cSld>
-    <p:spTree>
-      <p:nvGrpSpPr>
-        <p:cNvPr id="1" name=""/>
-        <p:cNvGrpSpPr/>
-        <p:nvPr/>
-      </p:nvGrpSpPr>
-      <p:grpSpPr/>
-      <p:sp>
-        <p:nvSpPr>
-          <p:cNvPr id="2" name="Title 1"/>
-          <p:cNvSpPr>
-            <a:spLocks noGrp="1"/>
-          </p:cNvSpPr>
-          <p:nvPr>
-            <p:ph type="title"/>
-          </p:nvPr>
-        </p:nvSpPr>
-        <p:spPr/>
-        <p:txBody>
-          <a:bodyPr/>
-          <a:lstStyle/>
-          <a:p>
-            <a:r>
-              <a:t>Food and drink</a:t>
-            </a:r>
-          </a:p>
-        </p:txBody>
-      </p:sp>
-      <p:sp>
-        <p:nvSpPr>
-          <p:cNvPr id="3" name="Content Placeholder 2"/>
-          <p:cNvSpPr>
-            <a:spLocks noGrp="1"/>
-          </p:cNvSpPr>
-          <p:nvPr>
-            <p:ph idx="1"/>
-          </p:nvPr>
-        </p:nvSpPr>
-        <p:spPr/>
-        <p:txBody>
-          <a:bodyPr/>
-          <a:lstStyle/>
-          <a:p>
-            <a:r>
-              <a:t>Food and drinkp Rose hips are occasionally made into jam,  jelly, marmalade, and soup or are brewed for tea, primarily for their high vitamin C content.</a:t>
-            </a:r>
-          </a:p>
-        </p:txBody>
-      </p:sp>
-    </p:spTree>
-  </p:cSld>
-  <p:clrMapOvr>
-    <a:masterClrMapping/>
-  </p:clrMapOvr>
-</p:sld>
-</file>
-
-<file path=ppt/slides/slide13.xml><?xml version="1.0" encoding="utf-8"?>
-<p:sld xmlns:a="http://schemas.openxmlformats.org/drawingml/2006/main" xmlns:p="http://schemas.openxmlformats.org/presentationml/2006/main" xmlns:r="http://schemas.openxmlformats.org/officeDocument/2006/relationships">
-  <p:cSld>
-    <p:spTree>
-      <p:nvGrpSpPr>
-        <p:cNvPr id="1" name=""/>
-        <p:cNvGrpSpPr/>
-        <p:nvPr/>
-      </p:nvGrpSpPr>
-      <p:grpSpPr/>
-      <p:sp>
-        <p:nvSpPr>
-          <p:cNvPr id="2" name="Title 1"/>
-          <p:cNvSpPr>
-            <a:spLocks noGrp="1"/>
-          </p:cNvSpPr>
-          <p:nvPr>
-            <p:ph type="title"/>
-          </p:nvPr>
-        </p:nvSpPr>
-        <p:spPr/>
-        <p:txBody>
-          <a:bodyPr/>
-          <a:lstStyle/>
-          <a:p>
-            <a:r>
-              <a:t>Medicine</a:t>
-            </a:r>
-          </a:p>
-        </p:txBody>
-      </p:sp>
-      <p:sp>
-        <p:nvSpPr>
-          <p:cNvPr id="3" name="Content Placeholder 2"/>
-          <p:cNvSpPr>
-            <a:spLocks noGrp="1"/>
-          </p:cNvSpPr>
-          <p:nvPr>
-            <p:ph idx="1"/>
-          </p:nvPr>
-        </p:nvSpPr>
-        <p:spPr/>
-        <p:txBody>
-          <a:bodyPr/>
-          <a:lstStyle/>
-          <a:p>
-            <a:r>
-              <a:t>Medicinep The rose hip, usually from R.</a:t>
-            </a:r>
-          </a:p>
-        </p:txBody>
-      </p:sp>
-    </p:spTree>
-  </p:cSld>
-  <p:clrMapOvr>
-    <a:masterClrMapping/>
-  </p:clrMapOvr>
-</p:sld>
-</file>
-
-<file path=ppt/slides/slide14.xml><?xml version="1.0" encoding="utf-8"?>
-<p:sld xmlns:a="http://schemas.openxmlformats.org/drawingml/2006/main" xmlns:p="http://schemas.openxmlformats.org/presentationml/2006/main" xmlns:r="http://schemas.openxmlformats.org/officeDocument/2006/relationships">
-  <p:cSld>
-    <p:spTree>
-      <p:nvGrpSpPr>
-        <p:cNvPr id="1" name=""/>
-        <p:cNvGrpSpPr/>
-        <p:nvPr/>
-      </p:nvGrpSpPr>
-      <p:grpSpPr/>
-      <p:sp>
-        <p:nvSpPr>
-          <p:cNvPr id="2" name="Title 1"/>
-          <p:cNvSpPr>
-            <a:spLocks noGrp="1"/>
-          </p:cNvSpPr>
-          <p:nvPr>
-            <p:ph type="title"/>
-          </p:nvPr>
-        </p:nvSpPr>
-        <p:spPr/>
-        <p:txBody>
-          <a:bodyPr/>
-          <a:lstStyle/>
-          <a:p>
-            <a:r>
-              <a:t>Art and symbolism</a:t>
-            </a:r>
-          </a:p>
-        </p:txBody>
-      </p:sp>
-      <p:sp>
-        <p:nvSpPr>
-          <p:cNvPr id="3" name="Content Placeholder 2"/>
-          <p:cNvSpPr>
-            <a:spLocks noGrp="1"/>
-          </p:cNvSpPr>
-          <p:nvPr>
-            <p:ph idx="1"/>
-          </p:nvPr>
-        </p:nvSpPr>
-        <p:spPr/>
-        <p:txBody>
-          <a:bodyPr/>
-          <a:lstStyle/>
-          <a:p>
-            <a:r>
-              <a:t>Art and symbolismp The long cultural history of the rose has led to it being used often as a symbol.</a:t>
-            </a:r>
-          </a:p>
-        </p:txBody>
-      </p:sp>
-    </p:spTree>
-  </p:cSld>
-  <p:clrMapOvr>
-    <a:masterClrMapping/>
-  </p:clrMapOvr>
-</p:sld>
-</file>
-
-<file path=ppt/slides/slide15.xml><?xml version="1.0" encoding="utf-8"?>
-<p:sld xmlns:a="http://schemas.openxmlformats.org/drawingml/2006/main" xmlns:p="http://schemas.openxmlformats.org/presentationml/2006/main" xmlns:r="http://schemas.openxmlformats.org/officeDocument/2006/relationships">
-  <p:cSld>
-    <p:spTree>
-      <p:nvGrpSpPr>
-        <p:cNvPr id="1" name=""/>
-        <p:cNvGrpSpPr/>
-        <p:nvPr/>
-      </p:nvGrpSpPr>
-      <p:grpSpPr/>
-      <p:sp>
-        <p:nvSpPr>
-          <p:cNvPr id="2" name="Title 1"/>
-          <p:cNvSpPr>
-            <a:spLocks noGrp="1"/>
-          </p:cNvSpPr>
-          <p:nvPr>
-            <p:ph type="title"/>
-          </p:nvPr>
-        </p:nvSpPr>
-        <p:spPr/>
-        <p:txBody>
-          <a:bodyPr/>
-          <a:lstStyle/>
-          <a:p>
-            <a:r>
-              <a:t>Pests and diseases</a:t>
-            </a:r>
-          </a:p>
-        </p:txBody>
-      </p:sp>
-      <p:sp>
-        <p:nvSpPr>
-          <p:cNvPr id="3" name="Content Placeholder 2"/>
-          <p:cNvSpPr>
-            <a:spLocks noGrp="1"/>
-          </p:cNvSpPr>
-          <p:nvPr>
-            <p:ph idx="1"/>
-          </p:nvPr>
-        </p:nvSpPr>
-        <p:spPr/>
-        <p:txBody>
-          <a:bodyPr/>
-          <a:lstStyle/>
-          <a:p>
-            <a:r>
-              <a:t>Pests and diseasesp Wild roses are host plants for a number of pests and diseases.</a:t>
+              <a:t> by python for Palak:)</a:t>
             </a:r>
           </a:p>
         </p:txBody>
@@ -3564,42 +3198,32 @@
           </a:p>
           <a:p>
             <a:r>
-              <a:t> Etymology</a:t>
-            </a:r>
-          </a:p>
-          <a:p>
-            <a:r>
-              <a:t> Botany</a:t>
-            </a:r>
-          </a:p>
-          <a:p>
-            <a:r>
-              <a:t>  -- Species</a:t>
-            </a:r>
-          </a:p>
-          <a:p>
-            <a:r>
-              <a:t> Uses</a:t>
-            </a:r>
-          </a:p>
-          <a:p>
-            <a:r>
-              <a:t>  -- Ornamental plants</a:t>
-            </a:r>
-          </a:p>
-          <a:p>
-            <a:r>
-              <a:t>  -- Cut flowers</a:t>
-            </a:r>
-          </a:p>
-          <a:p>
-            <a:r>
-              <a:t>  -- Perfume</a:t>
-            </a:r>
-          </a:p>
-          <a:p>
-            <a:r>
-              <a:t>  -- Food and drink</a:t>
+              <a:t> Childhood</a:t>
+            </a:r>
+          </a:p>
+          <a:p>
+            <a:r>
+              <a:t> Neuroanatomy</a:t>
+            </a:r>
+          </a:p>
+          <a:p>
+            <a:r>
+              <a:t> Coping mechanisms</a:t>
+            </a:r>
+          </a:p>
+          <a:p>
+            <a:r>
+              <a:t> Pupil empathy</a:t>
+            </a:r>
+          </a:p>
+          <a:p>
+            <a:r>
+              <a:t> Vocal expression</a:t>
+            </a:r>
+          </a:p>
+          <a:p>
+            <a:r>
+              <a:t> Cultural explorations</a:t>
             </a:r>
           </a:p>
           <a:p/>
@@ -3639,7 +3263,7 @@
           <a:lstStyle/>
           <a:p>
             <a:r>
-              <a:t>contents</a:t>
+              <a:t>Contents</a:t>
             </a:r>
           </a:p>
         </p:txBody>
@@ -3660,20 +3284,9 @@
           <a:lstStyle/>
           <a:p>
             <a:r>
-              <a:t>  -- Medicine</a:t>
-            </a:r>
-          </a:p>
-          <a:p>
-            <a:r>
-              <a:t>  -- Art and symbolism</a:t>
-            </a:r>
-          </a:p>
-          <a:p>
-            <a:r>
-              <a:t> Pests and diseases</a:t>
-            </a:r>
-          </a:p>
-          <a:p/>
+              <a:t>Contents Childhood Sadness is a common experience in childhood.</a:t>
+            </a:r>
+          </a:p>
         </p:txBody>
       </p:sp>
     </p:spTree>
@@ -3710,7 +3323,7 @@
           <a:lstStyle/>
           <a:p>
             <a:r>
-              <a:t>Contents</a:t>
+              <a:t>Childhood</a:t>
             </a:r>
           </a:p>
         </p:txBody>
@@ -3731,7 +3344,7 @@
           <a:lstStyle/>
           <a:p>
             <a:r>
-              <a:t>Contentsh2 Etymologyp The name rose comes from French, itself from Latin rosa, which was perhaps borrowed from Oscan, from Greek ρόδον rhódon (Aeolic βρόδον wródon), itself borrowed from Old Persian wrd- (wurdi), related to Avestan varəδa, Sogdian ward, Parthian wâr.</a:t>
+              <a:t>Childhood Sadness is a common experience in childhood.</a:t>
             </a:r>
           </a:p>
         </p:txBody>
@@ -3770,7 +3383,7 @@
           <a:lstStyle/>
           <a:p>
             <a:r>
-              <a:t>Etymology</a:t>
+              <a:t>Neuroanatomy</a:t>
             </a:r>
           </a:p>
         </p:txBody>
@@ -3791,7 +3404,7 @@
           <a:lstStyle/>
           <a:p>
             <a:r>
-              <a:t>Etymologyp The name rose comes from French, itself from Latin rosa, which was perhaps borrowed from Oscan, from Greek ρόδον rhódon (Aeolic βρόδον wródon), itself borrowed from Old Persian wrd- (wurdi), related to Avestan varəδa, Sogdian ward, Parthian wâr.</a:t>
+              <a:t>Neuroanatomy A large amount of research has been conducted on the neuroscience of sadness.</a:t>
             </a:r>
           </a:p>
         </p:txBody>
@@ -3830,7 +3443,7 @@
           <a:lstStyle/>
           <a:p>
             <a:r>
-              <a:t>Botany</a:t>
+              <a:t>Coping mechanisms</a:t>
             </a:r>
           </a:p>
         </p:txBody>
@@ -3851,7 +3464,7 @@
           <a:lstStyle/>
           <a:p>
             <a:r>
-              <a:t>Botanyp The leaves are borne alternately on the stem.</a:t>
+              <a:t>Coping mechanisms People deal with sadness in different ways, and it is an important emotion because it helps to motivate people to deal with their situation.</a:t>
             </a:r>
           </a:p>
         </p:txBody>
@@ -3890,7 +3503,7 @@
           <a:lstStyle/>
           <a:p>
             <a:r>
-              <a:t>Species</a:t>
+              <a:t>Pupil empathy</a:t>
             </a:r>
           </a:p>
         </p:txBody>
@@ -3911,7 +3524,7 @@
           <a:lstStyle/>
           <a:p>
             <a:r>
-              <a:t>Species, cultivars and hybrids are all widely grown for their beauty and often are fragrant.</a:t>
+              <a:t>Pupil empathy Pupil size may be an indicator of sadness.</a:t>
             </a:r>
           </a:p>
         </p:txBody>
@@ -3950,7 +3563,7 @@
           <a:lstStyle/>
           <a:p>
             <a:r>
-              <a:t>Uses</a:t>
+              <a:t>Vocal expression</a:t>
             </a:r>
           </a:p>
         </p:txBody>
@@ -3971,7 +3584,7 @@
           <a:lstStyle/>
           <a:p>
             <a:r>
-              <a:t>Usesp Roses are best known as ornamental plants grown for their flowers in the garden and sometimes indoors.</a:t>
+              <a:t>Vocal expression According to DIPR scientist Swati Johar,[22]:VII sadness is an emotion "identified by current speech dialogue and processing systems".</a:t>
             </a:r>
           </a:p>
         </p:txBody>
@@ -4010,7 +3623,7 @@
           <a:lstStyle/>
           <a:p>
             <a:r>
-              <a:t>Ornamental plants</a:t>
+              <a:t>Cultural explorations</a:t>
             </a:r>
           </a:p>
         </p:txBody>
@@ -4031,7 +3644,7 @@
           <a:lstStyle/>
           <a:p>
             <a:r>
-              <a:t>Ornamental plantsp The majority of ornamental roses are hybrids that were bred for their flowers.</a:t>
+              <a:t>Cultural explorations During the Renaissance, Edmund Spenser in The Faerie Queene endorsed sadness as a marker of spiritual commitment.</a:t>
             </a:r>
           </a:p>
         </p:txBody>

--- a/AutoPPT-main/something.pptx
+++ b/AutoPPT-main/something.pptx
@@ -14,6 +14,34 @@
     <p:sldId id="262" r:id="rId13"/>
     <p:sldId id="263" r:id="rId14"/>
     <p:sldId id="264" r:id="rId15"/>
+    <p:sldId id="265" r:id="rId16"/>
+    <p:sldId id="266" r:id="rId17"/>
+    <p:sldId id="267" r:id="rId18"/>
+    <p:sldId id="268" r:id="rId19"/>
+    <p:sldId id="269" r:id="rId20"/>
+    <p:sldId id="270" r:id="rId21"/>
+    <p:sldId id="271" r:id="rId22"/>
+    <p:sldId id="272" r:id="rId23"/>
+    <p:sldId id="273" r:id="rId24"/>
+    <p:sldId id="274" r:id="rId25"/>
+    <p:sldId id="275" r:id="rId26"/>
+    <p:sldId id="276" r:id="rId27"/>
+    <p:sldId id="277" r:id="rId28"/>
+    <p:sldId id="278" r:id="rId29"/>
+    <p:sldId id="279" r:id="rId30"/>
+    <p:sldId id="280" r:id="rId31"/>
+    <p:sldId id="281" r:id="rId32"/>
+    <p:sldId id="282" r:id="rId33"/>
+    <p:sldId id="283" r:id="rId34"/>
+    <p:sldId id="284" r:id="rId35"/>
+    <p:sldId id="285" r:id="rId36"/>
+    <p:sldId id="286" r:id="rId37"/>
+    <p:sldId id="287" r:id="rId38"/>
+    <p:sldId id="288" r:id="rId39"/>
+    <p:sldId id="289" r:id="rId40"/>
+    <p:sldId id="290" r:id="rId41"/>
+    <p:sldId id="291" r:id="rId42"/>
+    <p:sldId id="292" r:id="rId43"/>
   </p:sldIdLst>
   <p:sldSz cx="9144000" cy="6858000" type="screen4x3"/>
   <p:notesSz cx="6858000" cy="9144000"/>
@@ -3112,7 +3140,7 @@
           <a:lstStyle/>
           <a:p>
             <a:r>
-              <a:t>Sadness</a:t>
+              <a:t>Internet</a:t>
             </a:r>
           </a:p>
         </p:txBody>
@@ -3133,7 +3161,607 @@
           <a:lstStyle/>
           <a:p>
             <a:r>
-              <a:t> by python for Palak:)</a:t>
+              <a:t> by python for aman:)</a:t>
+            </a:r>
+          </a:p>
+        </p:txBody>
+      </p:sp>
+    </p:spTree>
+  </p:cSld>
+  <p:clrMapOvr>
+    <a:masterClrMapping/>
+  </p:clrMapOvr>
+</p:sld>
+</file>
+
+<file path=ppt/slides/slide10.xml><?xml version="1.0" encoding="utf-8"?>
+<p:sld xmlns:a="http://schemas.openxmlformats.org/drawingml/2006/main" xmlns:p="http://schemas.openxmlformats.org/presentationml/2006/main" xmlns:r="http://schemas.openxmlformats.org/officeDocument/2006/relationships">
+  <p:cSld>
+    <p:spTree>
+      <p:nvGrpSpPr>
+        <p:cNvPr id="1" name=""/>
+        <p:cNvGrpSpPr/>
+        <p:nvPr/>
+      </p:nvGrpSpPr>
+      <p:grpSpPr/>
+      <p:sp>
+        <p:nvSpPr>
+          <p:cNvPr id="2" name="Title 1"/>
+          <p:cNvSpPr>
+            <a:spLocks noGrp="1"/>
+          </p:cNvSpPr>
+          <p:nvPr>
+            <p:ph type="title"/>
+          </p:nvPr>
+        </p:nvSpPr>
+        <p:spPr/>
+        <p:txBody>
+          <a:bodyPr/>
+          <a:lstStyle/>
+          <a:p>
+            <a:r>
+              <a:t>Infrastructure</a:t>
+            </a:r>
+          </a:p>
+        </p:txBody>
+      </p:sp>
+      <p:sp>
+        <p:nvSpPr>
+          <p:cNvPr id="3" name="Content Placeholder 2"/>
+          <p:cNvSpPr>
+            <a:spLocks noGrp="1"/>
+          </p:cNvSpPr>
+          <p:nvPr>
+            <p:ph idx="1"/>
+          </p:nvPr>
+        </p:nvSpPr>
+        <p:spPr/>
+        <p:txBody>
+          <a:bodyPr/>
+          <a:lstStyle/>
+          <a:p>
+            <a:r>
+              <a:t>Infrastructurep The communications infrastructure of the Internet consists of its hardware components and a system of software layers that control various aspects of the architecture.</a:t>
+            </a:r>
+          </a:p>
+        </p:txBody>
+      </p:sp>
+    </p:spTree>
+  </p:cSld>
+  <p:clrMapOvr>
+    <a:masterClrMapping/>
+  </p:clrMapOvr>
+</p:sld>
+</file>
+
+<file path=ppt/slides/slide11.xml><?xml version="1.0" encoding="utf-8"?>
+<p:sld xmlns:a="http://schemas.openxmlformats.org/drawingml/2006/main" xmlns:p="http://schemas.openxmlformats.org/presentationml/2006/main" xmlns:r="http://schemas.openxmlformats.org/officeDocument/2006/relationships">
+  <p:cSld>
+    <p:spTree>
+      <p:nvGrpSpPr>
+        <p:cNvPr id="1" name=""/>
+        <p:cNvGrpSpPr/>
+        <p:nvPr/>
+      </p:nvGrpSpPr>
+      <p:grpSpPr/>
+      <p:sp>
+        <p:nvSpPr>
+          <p:cNvPr id="2" name="Title 1"/>
+          <p:cNvSpPr>
+            <a:spLocks noGrp="1"/>
+          </p:cNvSpPr>
+          <p:nvPr>
+            <p:ph type="title"/>
+          </p:nvPr>
+        </p:nvSpPr>
+        <p:spPr/>
+        <p:txBody>
+          <a:bodyPr/>
+          <a:lstStyle/>
+          <a:p>
+            <a:r>
+              <a:t>Routing and service tiers</a:t>
+            </a:r>
+          </a:p>
+        </p:txBody>
+      </p:sp>
+      <p:sp>
+        <p:nvSpPr>
+          <p:cNvPr id="3" name="Content Placeholder 2"/>
+          <p:cNvSpPr>
+            <a:spLocks noGrp="1"/>
+          </p:cNvSpPr>
+          <p:nvPr>
+            <p:ph idx="1"/>
+          </p:nvPr>
+        </p:nvSpPr>
+        <p:spPr/>
+        <p:txBody>
+          <a:bodyPr/>
+          <a:lstStyle/>
+          <a:p>
+            <a:r>
+              <a:t>Routing and service tiersp Internet service providers (ISPs) establish the worldwide connectivity between individual networks at various levels of scope.</a:t>
+            </a:r>
+          </a:p>
+        </p:txBody>
+      </p:sp>
+    </p:spTree>
+  </p:cSld>
+  <p:clrMapOvr>
+    <a:masterClrMapping/>
+  </p:clrMapOvr>
+</p:sld>
+</file>
+
+<file path=ppt/slides/slide12.xml><?xml version="1.0" encoding="utf-8"?>
+<p:sld xmlns:a="http://schemas.openxmlformats.org/drawingml/2006/main" xmlns:p="http://schemas.openxmlformats.org/presentationml/2006/main" xmlns:r="http://schemas.openxmlformats.org/officeDocument/2006/relationships">
+  <p:cSld>
+    <p:spTree>
+      <p:nvGrpSpPr>
+        <p:cNvPr id="1" name=""/>
+        <p:cNvGrpSpPr/>
+        <p:nvPr/>
+      </p:nvGrpSpPr>
+      <p:grpSpPr/>
+      <p:sp>
+        <p:nvSpPr>
+          <p:cNvPr id="2" name="Title 1"/>
+          <p:cNvSpPr>
+            <a:spLocks noGrp="1"/>
+          </p:cNvSpPr>
+          <p:nvPr>
+            <p:ph type="title"/>
+          </p:nvPr>
+        </p:nvSpPr>
+        <p:spPr/>
+        <p:txBody>
+          <a:bodyPr/>
+          <a:lstStyle/>
+          <a:p>
+            <a:r>
+              <a:t>Access</a:t>
+            </a:r>
+          </a:p>
+        </p:txBody>
+      </p:sp>
+      <p:sp>
+        <p:nvSpPr>
+          <p:cNvPr id="3" name="Content Placeholder 2"/>
+          <p:cNvSpPr>
+            <a:spLocks noGrp="1"/>
+          </p:cNvSpPr>
+          <p:nvPr>
+            <p:ph idx="1"/>
+          </p:nvPr>
+        </p:nvSpPr>
+        <p:spPr/>
+        <p:txBody>
+          <a:bodyPr/>
+          <a:lstStyle/>
+          <a:p>
+            <a:r>
+              <a:t>Access to the ARPANET was expanded in 1981 when the National Science Foundation (NSF) funded the Computer Science Network (CSNET).</a:t>
+            </a:r>
+          </a:p>
+        </p:txBody>
+      </p:sp>
+    </p:spTree>
+  </p:cSld>
+  <p:clrMapOvr>
+    <a:masterClrMapping/>
+  </p:clrMapOvr>
+</p:sld>
+</file>
+
+<file path=ppt/slides/slide13.xml><?xml version="1.0" encoding="utf-8"?>
+<p:sld xmlns:a="http://schemas.openxmlformats.org/drawingml/2006/main" xmlns:p="http://schemas.openxmlformats.org/presentationml/2006/main" xmlns:r="http://schemas.openxmlformats.org/officeDocument/2006/relationships">
+  <p:cSld>
+    <p:spTree>
+      <p:nvGrpSpPr>
+        <p:cNvPr id="1" name=""/>
+        <p:cNvGrpSpPr/>
+        <p:nvPr/>
+      </p:nvGrpSpPr>
+      <p:grpSpPr/>
+      <p:sp>
+        <p:nvSpPr>
+          <p:cNvPr id="2" name="Title 1"/>
+          <p:cNvSpPr>
+            <a:spLocks noGrp="1"/>
+          </p:cNvSpPr>
+          <p:nvPr>
+            <p:ph type="title"/>
+          </p:nvPr>
+        </p:nvSpPr>
+        <p:spPr/>
+        <p:txBody>
+          <a:bodyPr/>
+          <a:lstStyle/>
+          <a:p>
+            <a:r>
+              <a:t>Internet Protocol Suite</a:t>
+            </a:r>
+          </a:p>
+        </p:txBody>
+      </p:sp>
+      <p:sp>
+        <p:nvSpPr>
+          <p:cNvPr id="3" name="Content Placeholder 2"/>
+          <p:cNvSpPr>
+            <a:spLocks noGrp="1"/>
+          </p:cNvSpPr>
+          <p:nvPr>
+            <p:ph idx="1"/>
+          </p:nvPr>
+        </p:nvSpPr>
+        <p:spPr/>
+        <p:txBody>
+          <a:bodyPr/>
+          <a:lstStyle/>
+          <a:p>
+            <a:r>
+              <a:t>Internet Protocol Suite (TCP/IP) was standardized, which permitted worldwide proliferation of interconnected networks.</a:t>
+            </a:r>
+          </a:p>
+        </p:txBody>
+      </p:sp>
+    </p:spTree>
+  </p:cSld>
+  <p:clrMapOvr>
+    <a:masterClrMapping/>
+  </p:clrMapOvr>
+</p:sld>
+</file>
+
+<file path=ppt/slides/slide14.xml><?xml version="1.0" encoding="utf-8"?>
+<p:sld xmlns:a="http://schemas.openxmlformats.org/drawingml/2006/main" xmlns:p="http://schemas.openxmlformats.org/presentationml/2006/main" xmlns:r="http://schemas.openxmlformats.org/officeDocument/2006/relationships">
+  <p:cSld>
+    <p:spTree>
+      <p:nvGrpSpPr>
+        <p:cNvPr id="1" name=""/>
+        <p:cNvGrpSpPr/>
+        <p:nvPr/>
+      </p:nvGrpSpPr>
+      <p:grpSpPr/>
+      <p:sp>
+        <p:nvSpPr>
+          <p:cNvPr id="2" name="Title 1"/>
+          <p:cNvSpPr>
+            <a:spLocks noGrp="1"/>
+          </p:cNvSpPr>
+          <p:nvPr>
+            <p:ph type="title"/>
+          </p:nvPr>
+        </p:nvSpPr>
+        <p:spPr/>
+        <p:txBody>
+          <a:bodyPr/>
+          <a:lstStyle/>
+          <a:p>
+            <a:r>
+              <a:t>Layers</a:t>
+            </a:r>
+          </a:p>
+        </p:txBody>
+      </p:sp>
+      <p:sp>
+        <p:nvSpPr>
+          <p:cNvPr id="3" name="Content Placeholder 2"/>
+          <p:cNvSpPr>
+            <a:spLocks noGrp="1"/>
+          </p:cNvSpPr>
+          <p:nvPr>
+            <p:ph idx="1"/>
+          </p:nvPr>
+        </p:nvSpPr>
+        <p:spPr/>
+        <p:txBody>
+          <a:bodyPr/>
+          <a:lstStyle/>
+          <a:p>
+            <a:r>
+              <a:t>Layersp The software layers correspond to the environment or scope in which their services operate.</a:t>
+            </a:r>
+          </a:p>
+        </p:txBody>
+      </p:sp>
+    </p:spTree>
+  </p:cSld>
+  <p:clrMapOvr>
+    <a:masterClrMapping/>
+  </p:clrMapOvr>
+</p:sld>
+</file>
+
+<file path=ppt/slides/slide15.xml><?xml version="1.0" encoding="utf-8"?>
+<p:sld xmlns:a="http://schemas.openxmlformats.org/drawingml/2006/main" xmlns:p="http://schemas.openxmlformats.org/presentationml/2006/main" xmlns:r="http://schemas.openxmlformats.org/officeDocument/2006/relationships">
+  <p:cSld>
+    <p:spTree>
+      <p:nvGrpSpPr>
+        <p:cNvPr id="1" name=""/>
+        <p:cNvGrpSpPr/>
+        <p:nvPr/>
+      </p:nvGrpSpPr>
+      <p:grpSpPr/>
+      <p:sp>
+        <p:nvSpPr>
+          <p:cNvPr id="2" name="Title 1"/>
+          <p:cNvSpPr>
+            <a:spLocks noGrp="1"/>
+          </p:cNvSpPr>
+          <p:nvPr>
+            <p:ph type="title"/>
+          </p:nvPr>
+        </p:nvSpPr>
+        <p:spPr/>
+        <p:txBody>
+          <a:bodyPr/>
+          <a:lstStyle/>
+          <a:p>
+            <a:r>
+              <a:t>Internet protocol</a:t>
+            </a:r>
+          </a:p>
+        </p:txBody>
+      </p:sp>
+      <p:sp>
+        <p:nvSpPr>
+          <p:cNvPr id="3" name="Content Placeholder 2"/>
+          <p:cNvSpPr>
+            <a:spLocks noGrp="1"/>
+          </p:cNvSpPr>
+          <p:nvPr>
+            <p:ph idx="1"/>
+          </p:nvPr>
+        </p:nvSpPr>
+        <p:spPr/>
+        <p:txBody>
+          <a:bodyPr/>
+          <a:lstStyle/>
+          <a:p>
+            <a:r>
+              <a:t>Internet protocol suite (TCP/IP) to communicate between networks and devices.</a:t>
+            </a:r>
+          </a:p>
+        </p:txBody>
+      </p:sp>
+    </p:spTree>
+  </p:cSld>
+  <p:clrMapOvr>
+    <a:masterClrMapping/>
+  </p:clrMapOvr>
+</p:sld>
+</file>
+
+<file path=ppt/slides/slide16.xml><?xml version="1.0" encoding="utf-8"?>
+<p:sld xmlns:a="http://schemas.openxmlformats.org/drawingml/2006/main" xmlns:p="http://schemas.openxmlformats.org/presentationml/2006/main" xmlns:r="http://schemas.openxmlformats.org/officeDocument/2006/relationships">
+  <p:cSld>
+    <p:spTree>
+      <p:nvGrpSpPr>
+        <p:cNvPr id="1" name=""/>
+        <p:cNvGrpSpPr/>
+        <p:nvPr/>
+      </p:nvGrpSpPr>
+      <p:grpSpPr/>
+      <p:sp>
+        <p:nvSpPr>
+          <p:cNvPr id="2" name="Title 1"/>
+          <p:cNvSpPr>
+            <a:spLocks noGrp="1"/>
+          </p:cNvSpPr>
+          <p:nvPr>
+            <p:ph type="title"/>
+          </p:nvPr>
+        </p:nvSpPr>
+        <p:spPr/>
+        <p:txBody>
+          <a:bodyPr/>
+          <a:lstStyle/>
+          <a:p>
+            <a:r>
+              <a:t>IETF</a:t>
+            </a:r>
+          </a:p>
+        </p:txBody>
+      </p:sp>
+      <p:sp>
+        <p:nvSpPr>
+          <p:cNvPr id="3" name="Content Placeholder 2"/>
+          <p:cNvSpPr>
+            <a:spLocks noGrp="1"/>
+          </p:cNvSpPr>
+          <p:nvPr>
+            <p:ph idx="1"/>
+          </p:nvPr>
+        </p:nvSpPr>
+        <p:spPr/>
+        <p:txBody>
+          <a:bodyPr/>
+          <a:lstStyle/>
+          <a:p>
+            <a:r>
+              <a:t>IETF), a non-profit organization of loosely affiliated international participants that anyone may associate with by contributing technical expertise.</a:t>
+            </a:r>
+          </a:p>
+        </p:txBody>
+      </p:sp>
+    </p:spTree>
+  </p:cSld>
+  <p:clrMapOvr>
+    <a:masterClrMapping/>
+  </p:clrMapOvr>
+</p:sld>
+</file>
+
+<file path=ppt/slides/slide17.xml><?xml version="1.0" encoding="utf-8"?>
+<p:sld xmlns:a="http://schemas.openxmlformats.org/drawingml/2006/main" xmlns:p="http://schemas.openxmlformats.org/presentationml/2006/main" xmlns:r="http://schemas.openxmlformats.org/officeDocument/2006/relationships">
+  <p:cSld>
+    <p:spTree>
+      <p:nvGrpSpPr>
+        <p:cNvPr id="1" name=""/>
+        <p:cNvGrpSpPr/>
+        <p:nvPr/>
+      </p:nvGrpSpPr>
+      <p:grpSpPr/>
+      <p:sp>
+        <p:nvSpPr>
+          <p:cNvPr id="2" name="Title 1"/>
+          <p:cNvSpPr>
+            <a:spLocks noGrp="1"/>
+          </p:cNvSpPr>
+          <p:nvPr>
+            <p:ph type="title"/>
+          </p:nvPr>
+        </p:nvSpPr>
+        <p:spPr/>
+        <p:txBody>
+          <a:bodyPr/>
+          <a:lstStyle/>
+          <a:p>
+            <a:r>
+              <a:t>Applications and services</a:t>
+            </a:r>
+          </a:p>
+        </p:txBody>
+      </p:sp>
+      <p:sp>
+        <p:nvSpPr>
+          <p:cNvPr id="3" name="Content Placeholder 2"/>
+          <p:cNvSpPr>
+            <a:spLocks noGrp="1"/>
+          </p:cNvSpPr>
+          <p:nvPr>
+            <p:ph idx="1"/>
+          </p:nvPr>
+        </p:nvSpPr>
+        <p:spPr/>
+        <p:txBody>
+          <a:bodyPr/>
+          <a:lstStyle/>
+          <a:p>
+            <a:r>
+              <a:t>Applications and servicesp The Internet carries many applications and services, most prominently the World Wide Web, including social media, electronic mail, mobile applications, multiplayer online games, Internet telephony, file sharing, and streaming media services.</a:t>
+            </a:r>
+          </a:p>
+        </p:txBody>
+      </p:sp>
+    </p:spTree>
+  </p:cSld>
+  <p:clrMapOvr>
+    <a:masterClrMapping/>
+  </p:clrMapOvr>
+</p:sld>
+</file>
+
+<file path=ppt/slides/slide18.xml><?xml version="1.0" encoding="utf-8"?>
+<p:sld xmlns:a="http://schemas.openxmlformats.org/drawingml/2006/main" xmlns:p="http://schemas.openxmlformats.org/presentationml/2006/main" xmlns:r="http://schemas.openxmlformats.org/officeDocument/2006/relationships">
+  <p:cSld>
+    <p:spTree>
+      <p:nvGrpSpPr>
+        <p:cNvPr id="1" name=""/>
+        <p:cNvGrpSpPr/>
+        <p:nvPr/>
+      </p:nvGrpSpPr>
+      <p:grpSpPr/>
+      <p:sp>
+        <p:nvSpPr>
+          <p:cNvPr id="2" name="Title 1"/>
+          <p:cNvSpPr>
+            <a:spLocks noGrp="1"/>
+          </p:cNvSpPr>
+          <p:nvPr>
+            <p:ph type="title"/>
+          </p:nvPr>
+        </p:nvSpPr>
+        <p:spPr/>
+        <p:txBody>
+          <a:bodyPr/>
+          <a:lstStyle/>
+          <a:p>
+            <a:r>
+              <a:t>World Wide Web</a:t>
+            </a:r>
+          </a:p>
+        </p:txBody>
+      </p:sp>
+      <p:sp>
+        <p:nvSpPr>
+          <p:cNvPr id="3" name="Content Placeholder 2"/>
+          <p:cNvSpPr>
+            <a:spLocks noGrp="1"/>
+          </p:cNvSpPr>
+          <p:nvPr>
+            <p:ph idx="1"/>
+          </p:nvPr>
+        </p:nvSpPr>
+        <p:spPr/>
+        <p:txBody>
+          <a:bodyPr/>
+          <a:lstStyle/>
+          <a:p>
+            <a:r>
+              <a:t>World Wide Web (WWW), electronic mail, telephony, and file sharing.</a:t>
+            </a:r>
+          </a:p>
+        </p:txBody>
+      </p:sp>
+    </p:spTree>
+  </p:cSld>
+  <p:clrMapOvr>
+    <a:masterClrMapping/>
+  </p:clrMapOvr>
+</p:sld>
+</file>
+
+<file path=ppt/slides/slide19.xml><?xml version="1.0" encoding="utf-8"?>
+<p:sld xmlns:a="http://schemas.openxmlformats.org/drawingml/2006/main" xmlns:p="http://schemas.openxmlformats.org/presentationml/2006/main" xmlns:r="http://schemas.openxmlformats.org/officeDocument/2006/relationships">
+  <p:cSld>
+    <p:spTree>
+      <p:nvGrpSpPr>
+        <p:cNvPr id="1" name=""/>
+        <p:cNvGrpSpPr/>
+        <p:nvPr/>
+      </p:nvGrpSpPr>
+      <p:grpSpPr/>
+      <p:sp>
+        <p:nvSpPr>
+          <p:cNvPr id="2" name="Title 1"/>
+          <p:cNvSpPr>
+            <a:spLocks noGrp="1"/>
+          </p:cNvSpPr>
+          <p:nvPr>
+            <p:ph type="title"/>
+          </p:nvPr>
+        </p:nvSpPr>
+        <p:spPr/>
+        <p:txBody>
+          <a:bodyPr/>
+          <a:lstStyle/>
+          <a:p>
+            <a:r>
+              <a:t>Communication</a:t>
+            </a:r>
+          </a:p>
+        </p:txBody>
+      </p:sp>
+      <p:sp>
+        <p:nvSpPr>
+          <p:cNvPr id="3" name="Content Placeholder 2"/>
+          <p:cNvSpPr>
+            <a:spLocks noGrp="1"/>
+          </p:cNvSpPr>
+          <p:nvPr>
+            <p:ph idx="1"/>
+          </p:nvPr>
+        </p:nvSpPr>
+        <p:spPr/>
+        <p:txBody>
+          <a:bodyPr/>
+          <a:lstStyle/>
+          <a:p>
+            <a:r>
+              <a:t>Communicationp Email is an important communications service available via the Internet.</a:t>
             </a:r>
           </a:p>
         </p:txBody>
@@ -3198,35 +3826,645 @@
           </a:p>
           <a:p>
             <a:r>
-              <a:t> Childhood</a:t>
-            </a:r>
-          </a:p>
-          <a:p>
-            <a:r>
-              <a:t> Neuroanatomy</a:t>
-            </a:r>
-          </a:p>
-          <a:p>
-            <a:r>
-              <a:t> Coping mechanisms</a:t>
-            </a:r>
-          </a:p>
-          <a:p>
-            <a:r>
-              <a:t> Pupil empathy</a:t>
-            </a:r>
-          </a:p>
-          <a:p>
-            <a:r>
-              <a:t> Vocal expression</a:t>
-            </a:r>
-          </a:p>
-          <a:p>
-            <a:r>
-              <a:t> Cultural explorations</a:t>
+              <a:t> Terminology</a:t>
+            </a:r>
+          </a:p>
+          <a:p>
+            <a:r>
+              <a:t> History</a:t>
+            </a:r>
+          </a:p>
+          <a:p>
+            <a:r>
+              <a:t> Governance</a:t>
+            </a:r>
+          </a:p>
+          <a:p>
+            <a:r>
+              <a:t> Infrastructure</a:t>
+            </a:r>
+          </a:p>
+          <a:p>
+            <a:r>
+              <a:t>  -- Routing and service tiers</a:t>
+            </a:r>
+          </a:p>
+          <a:p>
+            <a:r>
+              <a:t>  -- Access</a:t>
+            </a:r>
+          </a:p>
+          <a:p>
+            <a:r>
+              <a:t> Internet Protocol Suite</a:t>
+            </a:r>
+          </a:p>
+          <a:p>
+            <a:r>
+              <a:t>  -- Layers</a:t>
             </a:r>
           </a:p>
           <a:p/>
+        </p:txBody>
+      </p:sp>
+    </p:spTree>
+  </p:cSld>
+  <p:clrMapOvr>
+    <a:masterClrMapping/>
+  </p:clrMapOvr>
+</p:sld>
+</file>
+
+<file path=ppt/slides/slide20.xml><?xml version="1.0" encoding="utf-8"?>
+<p:sld xmlns:a="http://schemas.openxmlformats.org/drawingml/2006/main" xmlns:p="http://schemas.openxmlformats.org/presentationml/2006/main" xmlns:r="http://schemas.openxmlformats.org/officeDocument/2006/relationships">
+  <p:cSld>
+    <p:spTree>
+      <p:nvGrpSpPr>
+        <p:cNvPr id="1" name=""/>
+        <p:cNvGrpSpPr/>
+        <p:nvPr/>
+      </p:nvGrpSpPr>
+      <p:grpSpPr/>
+      <p:sp>
+        <p:nvSpPr>
+          <p:cNvPr id="2" name="Title 1"/>
+          <p:cNvSpPr>
+            <a:spLocks noGrp="1"/>
+          </p:cNvSpPr>
+          <p:nvPr>
+            <p:ph type="title"/>
+          </p:nvPr>
+        </p:nvSpPr>
+        <p:spPr/>
+        <p:txBody>
+          <a:bodyPr/>
+          <a:lstStyle/>
+          <a:p>
+            <a:r>
+              <a:t>Data transfer</a:t>
+            </a:r>
+          </a:p>
+        </p:txBody>
+      </p:sp>
+      <p:sp>
+        <p:nvSpPr>
+          <p:cNvPr id="3" name="Content Placeholder 2"/>
+          <p:cNvSpPr>
+            <a:spLocks noGrp="1"/>
+          </p:cNvSpPr>
+          <p:nvPr>
+            <p:ph idx="1"/>
+          </p:nvPr>
+        </p:nvSpPr>
+        <p:spPr/>
+        <p:txBody>
+          <a:bodyPr/>
+          <a:lstStyle/>
+          <a:p>
+            <a:r>
+              <a:t>Data transferp File sharing is an example of transferring large amounts of data across the Internet.</a:t>
+            </a:r>
+          </a:p>
+        </p:txBody>
+      </p:sp>
+    </p:spTree>
+  </p:cSld>
+  <p:clrMapOvr>
+    <a:masterClrMapping/>
+  </p:clrMapOvr>
+</p:sld>
+</file>
+
+<file path=ppt/slides/slide21.xml><?xml version="1.0" encoding="utf-8"?>
+<p:sld xmlns:a="http://schemas.openxmlformats.org/drawingml/2006/main" xmlns:p="http://schemas.openxmlformats.org/presentationml/2006/main" xmlns:r="http://schemas.openxmlformats.org/officeDocument/2006/relationships">
+  <p:cSld>
+    <p:spTree>
+      <p:nvGrpSpPr>
+        <p:cNvPr id="1" name=""/>
+        <p:cNvGrpSpPr/>
+        <p:nvPr/>
+      </p:nvGrpSpPr>
+      <p:grpSpPr/>
+      <p:sp>
+        <p:nvSpPr>
+          <p:cNvPr id="2" name="Title 1"/>
+          <p:cNvSpPr>
+            <a:spLocks noGrp="1"/>
+          </p:cNvSpPr>
+          <p:nvPr>
+            <p:ph type="title"/>
+          </p:nvPr>
+        </p:nvSpPr>
+        <p:spPr/>
+        <p:txBody>
+          <a:bodyPr/>
+          <a:lstStyle/>
+          <a:p>
+            <a:r>
+              <a:t>Social impact</a:t>
+            </a:r>
+          </a:p>
+        </p:txBody>
+      </p:sp>
+      <p:sp>
+        <p:nvSpPr>
+          <p:cNvPr id="3" name="Content Placeholder 2"/>
+          <p:cNvSpPr>
+            <a:spLocks noGrp="1"/>
+          </p:cNvSpPr>
+          <p:nvPr>
+            <p:ph idx="1"/>
+          </p:nvPr>
+        </p:nvSpPr>
+        <p:spPr/>
+        <p:txBody>
+          <a:bodyPr/>
+          <a:lstStyle/>
+          <a:p>
+            <a:r>
+              <a:t>Social impactp The Internet has enabled new forms of social interaction, activities, and social associations.</a:t>
+            </a:r>
+          </a:p>
+        </p:txBody>
+      </p:sp>
+    </p:spTree>
+  </p:cSld>
+  <p:clrMapOvr>
+    <a:masterClrMapping/>
+  </p:clrMapOvr>
+</p:sld>
+</file>
+
+<file path=ppt/slides/slide22.xml><?xml version="1.0" encoding="utf-8"?>
+<p:sld xmlns:a="http://schemas.openxmlformats.org/drawingml/2006/main" xmlns:p="http://schemas.openxmlformats.org/presentationml/2006/main" xmlns:r="http://schemas.openxmlformats.org/officeDocument/2006/relationships">
+  <p:cSld>
+    <p:spTree>
+      <p:nvGrpSpPr>
+        <p:cNvPr id="1" name=""/>
+        <p:cNvGrpSpPr/>
+        <p:nvPr/>
+      </p:nvGrpSpPr>
+      <p:grpSpPr/>
+      <p:sp>
+        <p:nvSpPr>
+          <p:cNvPr id="2" name="Title 1"/>
+          <p:cNvSpPr>
+            <a:spLocks noGrp="1"/>
+          </p:cNvSpPr>
+          <p:nvPr>
+            <p:ph type="title"/>
+          </p:nvPr>
+        </p:nvSpPr>
+        <p:spPr/>
+        <p:txBody>
+          <a:bodyPr/>
+          <a:lstStyle/>
+          <a:p>
+            <a:r>
+              <a:t>Users</a:t>
+            </a:r>
+          </a:p>
+        </p:txBody>
+      </p:sp>
+      <p:sp>
+        <p:nvSpPr>
+          <p:cNvPr id="3" name="Content Placeholder 2"/>
+          <p:cNvSpPr>
+            <a:spLocks noGrp="1"/>
+          </p:cNvSpPr>
+          <p:nvPr>
+            <p:ph idx="1"/>
+          </p:nvPr>
+        </p:nvSpPr>
+        <p:spPr/>
+        <p:txBody>
+          <a:bodyPr/>
+          <a:lstStyle/>
+          <a:p>
+            <a:r>
+              <a:t>Users generally enter domain names (e.</a:t>
+            </a:r>
+          </a:p>
+        </p:txBody>
+      </p:sp>
+    </p:spTree>
+  </p:cSld>
+  <p:clrMapOvr>
+    <a:masterClrMapping/>
+  </p:clrMapOvr>
+</p:sld>
+</file>
+
+<file path=ppt/slides/slide23.xml><?xml version="1.0" encoding="utf-8"?>
+<p:sld xmlns:a="http://schemas.openxmlformats.org/drawingml/2006/main" xmlns:p="http://schemas.openxmlformats.org/presentationml/2006/main" xmlns:r="http://schemas.openxmlformats.org/officeDocument/2006/relationships">
+  <p:cSld>
+    <p:spTree>
+      <p:nvGrpSpPr>
+        <p:cNvPr id="1" name=""/>
+        <p:cNvGrpSpPr/>
+        <p:nvPr/>
+      </p:nvGrpSpPr>
+      <p:grpSpPr/>
+      <p:sp>
+        <p:nvSpPr>
+          <p:cNvPr id="2" name="Title 1"/>
+          <p:cNvSpPr>
+            <a:spLocks noGrp="1"/>
+          </p:cNvSpPr>
+          <p:nvPr>
+            <p:ph type="title"/>
+          </p:nvPr>
+        </p:nvSpPr>
+        <p:spPr/>
+        <p:txBody>
+          <a:bodyPr/>
+          <a:lstStyle/>
+          <a:p>
+            <a:r>
+              <a:t>Usage</a:t>
+            </a:r>
+          </a:p>
+        </p:txBody>
+      </p:sp>
+      <p:sp>
+        <p:nvSpPr>
+          <p:cNvPr id="3" name="Content Placeholder 2"/>
+          <p:cNvSpPr>
+            <a:spLocks noGrp="1"/>
+          </p:cNvSpPr>
+          <p:nvPr>
+            <p:ph idx="1"/>
+          </p:nvPr>
+        </p:nvSpPr>
+        <p:spPr/>
+        <p:txBody>
+          <a:bodyPr/>
+          <a:lstStyle/>
+          <a:p>
+            <a:r>
+              <a:t>Usagep The Internet allows greater flexibility in working hours and location, especially with the spread of unmetered high-speed connections.</a:t>
+            </a:r>
+          </a:p>
+        </p:txBody>
+      </p:sp>
+    </p:spTree>
+  </p:cSld>
+  <p:clrMapOvr>
+    <a:masterClrMapping/>
+  </p:clrMapOvr>
+</p:sld>
+</file>
+
+<file path=ppt/slides/slide24.xml><?xml version="1.0" encoding="utf-8"?>
+<p:sld xmlns:a="http://schemas.openxmlformats.org/drawingml/2006/main" xmlns:p="http://schemas.openxmlformats.org/presentationml/2006/main" xmlns:r="http://schemas.openxmlformats.org/officeDocument/2006/relationships">
+  <p:cSld>
+    <p:spTree>
+      <p:nvGrpSpPr>
+        <p:cNvPr id="1" name=""/>
+        <p:cNvGrpSpPr/>
+        <p:nvPr/>
+      </p:nvGrpSpPr>
+      <p:grpSpPr/>
+      <p:sp>
+        <p:nvSpPr>
+          <p:cNvPr id="2" name="Title 1"/>
+          <p:cNvSpPr>
+            <a:spLocks noGrp="1"/>
+          </p:cNvSpPr>
+          <p:nvPr>
+            <p:ph type="title"/>
+          </p:nvPr>
+        </p:nvSpPr>
+        <p:spPr/>
+        <p:txBody>
+          <a:bodyPr/>
+          <a:lstStyle/>
+          <a:p>
+            <a:r>
+              <a:t>Social networking and entertainment</a:t>
+            </a:r>
+          </a:p>
+        </p:txBody>
+      </p:sp>
+      <p:sp>
+        <p:nvSpPr>
+          <p:cNvPr id="3" name="Content Placeholder 2"/>
+          <p:cNvSpPr>
+            <a:spLocks noGrp="1"/>
+          </p:cNvSpPr>
+          <p:nvPr>
+            <p:ph idx="1"/>
+          </p:nvPr>
+        </p:nvSpPr>
+        <p:spPr/>
+        <p:txBody>
+          <a:bodyPr/>
+          <a:lstStyle/>
+          <a:p>
+            <a:r>
+              <a:t>Social networking and entertainmentp Many people use the World Wide Web to access news, weather and sports reports, to plan and book vacations and to pursue their personal interests.</a:t>
+            </a:r>
+          </a:p>
+        </p:txBody>
+      </p:sp>
+    </p:spTree>
+  </p:cSld>
+  <p:clrMapOvr>
+    <a:masterClrMapping/>
+  </p:clrMapOvr>
+</p:sld>
+</file>
+
+<file path=ppt/slides/slide25.xml><?xml version="1.0" encoding="utf-8"?>
+<p:sld xmlns:a="http://schemas.openxmlformats.org/drawingml/2006/main" xmlns:p="http://schemas.openxmlformats.org/presentationml/2006/main" xmlns:r="http://schemas.openxmlformats.org/officeDocument/2006/relationships">
+  <p:cSld>
+    <p:spTree>
+      <p:nvGrpSpPr>
+        <p:cNvPr id="1" name=""/>
+        <p:cNvGrpSpPr/>
+        <p:nvPr/>
+      </p:nvGrpSpPr>
+      <p:grpSpPr/>
+      <p:sp>
+        <p:nvSpPr>
+          <p:cNvPr id="2" name="Title 1"/>
+          <p:cNvSpPr>
+            <a:spLocks noGrp="1"/>
+          </p:cNvSpPr>
+          <p:nvPr>
+            <p:ph type="title"/>
+          </p:nvPr>
+        </p:nvSpPr>
+        <p:spPr/>
+        <p:txBody>
+          <a:bodyPr/>
+          <a:lstStyle/>
+          <a:p>
+            <a:r>
+              <a:t>Electronic business</a:t>
+            </a:r>
+          </a:p>
+        </p:txBody>
+      </p:sp>
+      <p:sp>
+        <p:nvSpPr>
+          <p:cNvPr id="3" name="Content Placeholder 2"/>
+          <p:cNvSpPr>
+            <a:spLocks noGrp="1"/>
+          </p:cNvSpPr>
+          <p:nvPr>
+            <p:ph idx="1"/>
+          </p:nvPr>
+        </p:nvSpPr>
+        <p:spPr/>
+        <p:txBody>
+          <a:bodyPr/>
+          <a:lstStyle/>
+          <a:p>
+            <a:r>
+              <a:t>Electronic businessp Electronic business (e-business) encompasses business processes spanning the entire value chain: purchasing, supply chain management, marketing, sales, customer service, and business relationship.</a:t>
+            </a:r>
+          </a:p>
+        </p:txBody>
+      </p:sp>
+    </p:spTree>
+  </p:cSld>
+  <p:clrMapOvr>
+    <a:masterClrMapping/>
+  </p:clrMapOvr>
+</p:sld>
+</file>
+
+<file path=ppt/slides/slide26.xml><?xml version="1.0" encoding="utf-8"?>
+<p:sld xmlns:a="http://schemas.openxmlformats.org/drawingml/2006/main" xmlns:p="http://schemas.openxmlformats.org/presentationml/2006/main" xmlns:r="http://schemas.openxmlformats.org/officeDocument/2006/relationships">
+  <p:cSld>
+    <p:spTree>
+      <p:nvGrpSpPr>
+        <p:cNvPr id="1" name=""/>
+        <p:cNvGrpSpPr/>
+        <p:nvPr/>
+      </p:nvGrpSpPr>
+      <p:grpSpPr/>
+      <p:sp>
+        <p:nvSpPr>
+          <p:cNvPr id="2" name="Title 1"/>
+          <p:cNvSpPr>
+            <a:spLocks noGrp="1"/>
+          </p:cNvSpPr>
+          <p:nvPr>
+            <p:ph type="title"/>
+          </p:nvPr>
+        </p:nvSpPr>
+        <p:spPr/>
+        <p:txBody>
+          <a:bodyPr/>
+          <a:lstStyle/>
+          <a:p>
+            <a:r>
+              <a:t>Telecommuting</a:t>
+            </a:r>
+          </a:p>
+        </p:txBody>
+      </p:sp>
+      <p:sp>
+        <p:nvSpPr>
+          <p:cNvPr id="3" name="Content Placeholder 2"/>
+          <p:cNvSpPr>
+            <a:spLocks noGrp="1"/>
+          </p:cNvSpPr>
+          <p:nvPr>
+            <p:ph idx="1"/>
+          </p:nvPr>
+        </p:nvSpPr>
+        <p:spPr/>
+        <p:txBody>
+          <a:bodyPr/>
+          <a:lstStyle/>
+          <a:p>
+            <a:r>
+              <a:t>Telecommutingp Telecommuting is the performance within a traditional worker and employer relationship when it is facilitated by tools such as groupware, virtual private networks, conference calling, videoconferencing, and VoIP so that work may be performed from any location, most conveniently the worker's home.</a:t>
+            </a:r>
+          </a:p>
+        </p:txBody>
+      </p:sp>
+    </p:spTree>
+  </p:cSld>
+  <p:clrMapOvr>
+    <a:masterClrMapping/>
+  </p:clrMapOvr>
+</p:sld>
+</file>
+
+<file path=ppt/slides/slide27.xml><?xml version="1.0" encoding="utf-8"?>
+<p:sld xmlns:a="http://schemas.openxmlformats.org/drawingml/2006/main" xmlns:p="http://schemas.openxmlformats.org/presentationml/2006/main" xmlns:r="http://schemas.openxmlformats.org/officeDocument/2006/relationships">
+  <p:cSld>
+    <p:spTree>
+      <p:nvGrpSpPr>
+        <p:cNvPr id="1" name=""/>
+        <p:cNvGrpSpPr/>
+        <p:nvPr/>
+      </p:nvGrpSpPr>
+      <p:grpSpPr/>
+      <p:sp>
+        <p:nvSpPr>
+          <p:cNvPr id="2" name="Title 1"/>
+          <p:cNvSpPr>
+            <a:spLocks noGrp="1"/>
+          </p:cNvSpPr>
+          <p:nvPr>
+            <p:ph type="title"/>
+          </p:nvPr>
+        </p:nvSpPr>
+        <p:spPr/>
+        <p:txBody>
+          <a:bodyPr/>
+          <a:lstStyle/>
+          <a:p>
+            <a:r>
+              <a:t>Collaborative publishing</a:t>
+            </a:r>
+          </a:p>
+        </p:txBody>
+      </p:sp>
+      <p:sp>
+        <p:nvSpPr>
+          <p:cNvPr id="3" name="Content Placeholder 2"/>
+          <p:cNvSpPr>
+            <a:spLocks noGrp="1"/>
+          </p:cNvSpPr>
+          <p:nvPr>
+            <p:ph idx="1"/>
+          </p:nvPr>
+        </p:nvSpPr>
+        <p:spPr/>
+        <p:txBody>
+          <a:bodyPr/>
+          <a:lstStyle/>
+          <a:p>
+            <a:r>
+              <a:t>Collaborative publishingp Wikis have also been used in the academic community for sharing and dissemination of information across institutional and international boundaries.</a:t>
+            </a:r>
+          </a:p>
+        </p:txBody>
+      </p:sp>
+    </p:spTree>
+  </p:cSld>
+  <p:clrMapOvr>
+    <a:masterClrMapping/>
+  </p:clrMapOvr>
+</p:sld>
+</file>
+
+<file path=ppt/slides/slide28.xml><?xml version="1.0" encoding="utf-8"?>
+<p:sld xmlns:a="http://schemas.openxmlformats.org/drawingml/2006/main" xmlns:p="http://schemas.openxmlformats.org/presentationml/2006/main" xmlns:r="http://schemas.openxmlformats.org/officeDocument/2006/relationships">
+  <p:cSld>
+    <p:spTree>
+      <p:nvGrpSpPr>
+        <p:cNvPr id="1" name=""/>
+        <p:cNvGrpSpPr/>
+        <p:nvPr/>
+      </p:nvGrpSpPr>
+      <p:grpSpPr/>
+      <p:sp>
+        <p:nvSpPr>
+          <p:cNvPr id="2" name="Title 1"/>
+          <p:cNvSpPr>
+            <a:spLocks noGrp="1"/>
+          </p:cNvSpPr>
+          <p:nvPr>
+            <p:ph type="title"/>
+          </p:nvPr>
+        </p:nvSpPr>
+        <p:spPr/>
+        <p:txBody>
+          <a:bodyPr/>
+          <a:lstStyle/>
+          <a:p>
+            <a:r>
+              <a:t>Politics and political revolutions</a:t>
+            </a:r>
+          </a:p>
+        </p:txBody>
+      </p:sp>
+      <p:sp>
+        <p:nvSpPr>
+          <p:cNvPr id="3" name="Content Placeholder 2"/>
+          <p:cNvSpPr>
+            <a:spLocks noGrp="1"/>
+          </p:cNvSpPr>
+          <p:nvPr>
+            <p:ph idx="1"/>
+          </p:nvPr>
+        </p:nvSpPr>
+        <p:spPr/>
+        <p:txBody>
+          <a:bodyPr/>
+          <a:lstStyle/>
+          <a:p>
+            <a:r>
+              <a:t>Politics and political revolutionsp The Internet has achieved new relevance as a political tool.</a:t>
+            </a:r>
+          </a:p>
+        </p:txBody>
+      </p:sp>
+    </p:spTree>
+  </p:cSld>
+  <p:clrMapOvr>
+    <a:masterClrMapping/>
+  </p:clrMapOvr>
+</p:sld>
+</file>
+
+<file path=ppt/slides/slide29.xml><?xml version="1.0" encoding="utf-8"?>
+<p:sld xmlns:a="http://schemas.openxmlformats.org/drawingml/2006/main" xmlns:p="http://schemas.openxmlformats.org/presentationml/2006/main" xmlns:r="http://schemas.openxmlformats.org/officeDocument/2006/relationships">
+  <p:cSld>
+    <p:spTree>
+      <p:nvGrpSpPr>
+        <p:cNvPr id="1" name=""/>
+        <p:cNvGrpSpPr/>
+        <p:nvPr/>
+      </p:nvGrpSpPr>
+      <p:grpSpPr/>
+      <p:sp>
+        <p:nvSpPr>
+          <p:cNvPr id="2" name="Title 1"/>
+          <p:cNvSpPr>
+            <a:spLocks noGrp="1"/>
+          </p:cNvSpPr>
+          <p:nvPr>
+            <p:ph type="title"/>
+          </p:nvPr>
+        </p:nvSpPr>
+        <p:spPr/>
+        <p:txBody>
+          <a:bodyPr/>
+          <a:lstStyle/>
+          <a:p>
+            <a:r>
+              <a:t>Philanthropy</a:t>
+            </a:r>
+          </a:p>
+        </p:txBody>
+      </p:sp>
+      <p:sp>
+        <p:nvSpPr>
+          <p:cNvPr id="3" name="Content Placeholder 2"/>
+          <p:cNvSpPr>
+            <a:spLocks noGrp="1"/>
+          </p:cNvSpPr>
+          <p:nvPr>
+            <p:ph idx="1"/>
+          </p:nvPr>
+        </p:nvSpPr>
+        <p:spPr/>
+        <p:txBody>
+          <a:bodyPr/>
+          <a:lstStyle/>
+          <a:p>
+            <a:r>
+              <a:t>Philanthropyp The spread of low-cost Internet access in developing countries has opened up new possibilities for peer-to-peer charities, which allow individuals to contribute small amounts to charitable projects for other individuals.</a:t>
+            </a:r>
+          </a:p>
         </p:txBody>
       </p:sp>
     </p:spTree>
@@ -3263,7 +4501,7 @@
           <a:lstStyle/>
           <a:p>
             <a:r>
-              <a:t>Contents</a:t>
+              <a:t>contents</a:t>
             </a:r>
           </a:p>
         </p:txBody>
@@ -3284,7 +4522,523 @@
           <a:lstStyle/>
           <a:p>
             <a:r>
-              <a:t>Contents Childhood Sadness is a common experience in childhood.</a:t>
+              <a:t>  -- Internet protocol</a:t>
+            </a:r>
+          </a:p>
+          <a:p>
+            <a:r>
+              <a:t>  -- IETF</a:t>
+            </a:r>
+          </a:p>
+          <a:p>
+            <a:r>
+              <a:t> Applications and services</a:t>
+            </a:r>
+          </a:p>
+          <a:p>
+            <a:r>
+              <a:t>  -- World Wide Web</a:t>
+            </a:r>
+          </a:p>
+          <a:p>
+            <a:r>
+              <a:t>  -- Communication</a:t>
+            </a:r>
+          </a:p>
+          <a:p>
+            <a:r>
+              <a:t>  -- Data transfer</a:t>
+            </a:r>
+          </a:p>
+          <a:p>
+            <a:r>
+              <a:t> Social impact</a:t>
+            </a:r>
+          </a:p>
+          <a:p>
+            <a:r>
+              <a:t>  -- Users</a:t>
+            </a:r>
+          </a:p>
+          <a:p/>
+        </p:txBody>
+      </p:sp>
+    </p:spTree>
+  </p:cSld>
+  <p:clrMapOvr>
+    <a:masterClrMapping/>
+  </p:clrMapOvr>
+</p:sld>
+</file>
+
+<file path=ppt/slides/slide30.xml><?xml version="1.0" encoding="utf-8"?>
+<p:sld xmlns:a="http://schemas.openxmlformats.org/drawingml/2006/main" xmlns:p="http://schemas.openxmlformats.org/presentationml/2006/main" xmlns:r="http://schemas.openxmlformats.org/officeDocument/2006/relationships">
+  <p:cSld>
+    <p:spTree>
+      <p:nvGrpSpPr>
+        <p:cNvPr id="1" name=""/>
+        <p:cNvGrpSpPr/>
+        <p:nvPr/>
+      </p:nvGrpSpPr>
+      <p:grpSpPr/>
+      <p:sp>
+        <p:nvSpPr>
+          <p:cNvPr id="2" name="Title 1"/>
+          <p:cNvSpPr>
+            <a:spLocks noGrp="1"/>
+          </p:cNvSpPr>
+          <p:nvPr>
+            <p:ph type="title"/>
+          </p:nvPr>
+        </p:nvSpPr>
+        <p:spPr/>
+        <p:txBody>
+          <a:bodyPr/>
+          <a:lstStyle/>
+          <a:p>
+            <a:r>
+              <a:t>Security</a:t>
+            </a:r>
+          </a:p>
+        </p:txBody>
+      </p:sp>
+      <p:sp>
+        <p:nvSpPr>
+          <p:cNvPr id="3" name="Content Placeholder 2"/>
+          <p:cNvSpPr>
+            <a:spLocks noGrp="1"/>
+          </p:cNvSpPr>
+          <p:nvPr>
+            <p:ph idx="1"/>
+          </p:nvPr>
+        </p:nvSpPr>
+        <p:spPr/>
+        <p:txBody>
+          <a:bodyPr/>
+          <a:lstStyle/>
+          <a:p>
+            <a:r>
+              <a:t>Securityp Internet resources, hardware, and software components are the target of criminal or malicious attempts to gain unauthorized control to cause interruptions, commit fraud, engage in blackmail or access private information.</a:t>
+            </a:r>
+          </a:p>
+        </p:txBody>
+      </p:sp>
+    </p:spTree>
+  </p:cSld>
+  <p:clrMapOvr>
+    <a:masterClrMapping/>
+  </p:clrMapOvr>
+</p:sld>
+</file>
+
+<file path=ppt/slides/slide31.xml><?xml version="1.0" encoding="utf-8"?>
+<p:sld xmlns:a="http://schemas.openxmlformats.org/drawingml/2006/main" xmlns:p="http://schemas.openxmlformats.org/presentationml/2006/main" xmlns:r="http://schemas.openxmlformats.org/officeDocument/2006/relationships">
+  <p:cSld>
+    <p:spTree>
+      <p:nvGrpSpPr>
+        <p:cNvPr id="1" name=""/>
+        <p:cNvGrpSpPr/>
+        <p:nvPr/>
+      </p:nvGrpSpPr>
+      <p:grpSpPr/>
+      <p:sp>
+        <p:nvSpPr>
+          <p:cNvPr id="2" name="Title 1"/>
+          <p:cNvSpPr>
+            <a:spLocks noGrp="1"/>
+          </p:cNvSpPr>
+          <p:nvPr>
+            <p:ph type="title"/>
+          </p:nvPr>
+        </p:nvSpPr>
+        <p:spPr/>
+        <p:txBody>
+          <a:bodyPr/>
+          <a:lstStyle/>
+          <a:p>
+            <a:r>
+              <a:t>Malware</a:t>
+            </a:r>
+          </a:p>
+        </p:txBody>
+      </p:sp>
+      <p:sp>
+        <p:nvSpPr>
+          <p:cNvPr id="3" name="Content Placeholder 2"/>
+          <p:cNvSpPr>
+            <a:spLocks noGrp="1"/>
+          </p:cNvSpPr>
+          <p:nvPr>
+            <p:ph idx="1"/>
+          </p:nvPr>
+        </p:nvSpPr>
+        <p:spPr/>
+        <p:txBody>
+          <a:bodyPr/>
+          <a:lstStyle/>
+          <a:p>
+            <a:r>
+              <a:t>Malwarep Malware is malicious software used and distributed via the Internet.</a:t>
+            </a:r>
+          </a:p>
+        </p:txBody>
+      </p:sp>
+    </p:spTree>
+  </p:cSld>
+  <p:clrMapOvr>
+    <a:masterClrMapping/>
+  </p:clrMapOvr>
+</p:sld>
+</file>
+
+<file path=ppt/slides/slide32.xml><?xml version="1.0" encoding="utf-8"?>
+<p:sld xmlns:a="http://schemas.openxmlformats.org/drawingml/2006/main" xmlns:p="http://schemas.openxmlformats.org/presentationml/2006/main" xmlns:r="http://schemas.openxmlformats.org/officeDocument/2006/relationships">
+  <p:cSld>
+    <p:spTree>
+      <p:nvGrpSpPr>
+        <p:cNvPr id="1" name=""/>
+        <p:cNvGrpSpPr/>
+        <p:nvPr/>
+      </p:nvGrpSpPr>
+      <p:grpSpPr/>
+      <p:sp>
+        <p:nvSpPr>
+          <p:cNvPr id="2" name="Title 1"/>
+          <p:cNvSpPr>
+            <a:spLocks noGrp="1"/>
+          </p:cNvSpPr>
+          <p:nvPr>
+            <p:ph type="title"/>
+          </p:nvPr>
+        </p:nvSpPr>
+        <p:spPr/>
+        <p:txBody>
+          <a:bodyPr/>
+          <a:lstStyle/>
+          <a:p>
+            <a:r>
+              <a:t>Surveillance</a:t>
+            </a:r>
+          </a:p>
+        </p:txBody>
+      </p:sp>
+      <p:sp>
+        <p:nvSpPr>
+          <p:cNvPr id="3" name="Content Placeholder 2"/>
+          <p:cNvSpPr>
+            <a:spLocks noGrp="1"/>
+          </p:cNvSpPr>
+          <p:nvPr>
+            <p:ph idx="1"/>
+          </p:nvPr>
+        </p:nvSpPr>
+        <p:spPr/>
+        <p:txBody>
+          <a:bodyPr/>
+          <a:lstStyle/>
+          <a:p>
+            <a:r>
+              <a:t>Surveillancep The vast majority of computer surveillance involves the monitoring of data and traffic on the Internet.</a:t>
+            </a:r>
+          </a:p>
+        </p:txBody>
+      </p:sp>
+    </p:spTree>
+  </p:cSld>
+  <p:clrMapOvr>
+    <a:masterClrMapping/>
+  </p:clrMapOvr>
+</p:sld>
+</file>
+
+<file path=ppt/slides/slide33.xml><?xml version="1.0" encoding="utf-8"?>
+<p:sld xmlns:a="http://schemas.openxmlformats.org/drawingml/2006/main" xmlns:p="http://schemas.openxmlformats.org/presentationml/2006/main" xmlns:r="http://schemas.openxmlformats.org/officeDocument/2006/relationships">
+  <p:cSld>
+    <p:spTree>
+      <p:nvGrpSpPr>
+        <p:cNvPr id="1" name=""/>
+        <p:cNvGrpSpPr/>
+        <p:nvPr/>
+      </p:nvGrpSpPr>
+      <p:grpSpPr/>
+      <p:sp>
+        <p:nvSpPr>
+          <p:cNvPr id="2" name="Title 1"/>
+          <p:cNvSpPr>
+            <a:spLocks noGrp="1"/>
+          </p:cNvSpPr>
+          <p:nvPr>
+            <p:ph type="title"/>
+          </p:nvPr>
+        </p:nvSpPr>
+        <p:spPr/>
+        <p:txBody>
+          <a:bodyPr/>
+          <a:lstStyle/>
+          <a:p>
+            <a:r>
+              <a:t>Censorship</a:t>
+            </a:r>
+          </a:p>
+        </p:txBody>
+      </p:sp>
+      <p:sp>
+        <p:nvSpPr>
+          <p:cNvPr id="3" name="Content Placeholder 2"/>
+          <p:cNvSpPr>
+            <a:spLocks noGrp="1"/>
+          </p:cNvSpPr>
+          <p:nvPr>
+            <p:ph idx="1"/>
+          </p:nvPr>
+        </p:nvSpPr>
+        <p:spPr/>
+        <p:txBody>
+          <a:bodyPr/>
+          <a:lstStyle/>
+          <a:p>
+            <a:r>
+              <a:t>Censorshipp Some governments, such as those of Burma, Iran, North Korea, Mainland China, Saudi Arabia and the United Arab Emirates, restrict access to content on the Internet within their territories, especially to political and religious content, with domain name and keyword filters.</a:t>
+            </a:r>
+          </a:p>
+        </p:txBody>
+      </p:sp>
+    </p:spTree>
+  </p:cSld>
+  <p:clrMapOvr>
+    <a:masterClrMapping/>
+  </p:clrMapOvr>
+</p:sld>
+</file>
+
+<file path=ppt/slides/slide34.xml><?xml version="1.0" encoding="utf-8"?>
+<p:sld xmlns:a="http://schemas.openxmlformats.org/drawingml/2006/main" xmlns:p="http://schemas.openxmlformats.org/presentationml/2006/main" xmlns:r="http://schemas.openxmlformats.org/officeDocument/2006/relationships">
+  <p:cSld>
+    <p:spTree>
+      <p:nvGrpSpPr>
+        <p:cNvPr id="1" name=""/>
+        <p:cNvGrpSpPr/>
+        <p:nvPr/>
+      </p:nvGrpSpPr>
+      <p:grpSpPr/>
+      <p:sp>
+        <p:nvSpPr>
+          <p:cNvPr id="2" name="Title 1"/>
+          <p:cNvSpPr>
+            <a:spLocks noGrp="1"/>
+          </p:cNvSpPr>
+          <p:nvPr>
+            <p:ph type="title"/>
+          </p:nvPr>
+        </p:nvSpPr>
+        <p:spPr/>
+        <p:txBody>
+          <a:bodyPr/>
+          <a:lstStyle/>
+          <a:p>
+            <a:r>
+              <a:t>Performance</a:t>
+            </a:r>
+          </a:p>
+        </p:txBody>
+      </p:sp>
+      <p:sp>
+        <p:nvSpPr>
+          <p:cNvPr id="3" name="Content Placeholder 2"/>
+          <p:cNvSpPr>
+            <a:spLocks noGrp="1"/>
+          </p:cNvSpPr>
+          <p:nvPr>
+            <p:ph idx="1"/>
+          </p:nvPr>
+        </p:nvSpPr>
+        <p:spPr/>
+        <p:txBody>
+          <a:bodyPr/>
+          <a:lstStyle/>
+          <a:p>
+            <a:r>
+              <a:t>Performancep As the Internet is a heterogeneous network, the physical characteristics, including for example the data transfer rates of connections, vary widely.</a:t>
+            </a:r>
+          </a:p>
+        </p:txBody>
+      </p:sp>
+    </p:spTree>
+  </p:cSld>
+  <p:clrMapOvr>
+    <a:masterClrMapping/>
+  </p:clrMapOvr>
+</p:sld>
+</file>
+
+<file path=ppt/slides/slide35.xml><?xml version="1.0" encoding="utf-8"?>
+<p:sld xmlns:a="http://schemas.openxmlformats.org/drawingml/2006/main" xmlns:p="http://schemas.openxmlformats.org/presentationml/2006/main" xmlns:r="http://schemas.openxmlformats.org/officeDocument/2006/relationships">
+  <p:cSld>
+    <p:spTree>
+      <p:nvGrpSpPr>
+        <p:cNvPr id="1" name=""/>
+        <p:cNvGrpSpPr/>
+        <p:nvPr/>
+      </p:nvGrpSpPr>
+      <p:grpSpPr/>
+      <p:sp>
+        <p:nvSpPr>
+          <p:cNvPr id="2" name="Title 1"/>
+          <p:cNvSpPr>
+            <a:spLocks noGrp="1"/>
+          </p:cNvSpPr>
+          <p:nvPr>
+            <p:ph type="title"/>
+          </p:nvPr>
+        </p:nvSpPr>
+        <p:spPr/>
+        <p:txBody>
+          <a:bodyPr/>
+          <a:lstStyle/>
+          <a:p>
+            <a:r>
+              <a:t>Traffic volume</a:t>
+            </a:r>
+          </a:p>
+        </p:txBody>
+      </p:sp>
+      <p:sp>
+        <p:nvSpPr>
+          <p:cNvPr id="3" name="Content Placeholder 2"/>
+          <p:cNvSpPr>
+            <a:spLocks noGrp="1"/>
+          </p:cNvSpPr>
+          <p:nvPr>
+            <p:ph idx="1"/>
+          </p:nvPr>
+        </p:nvSpPr>
+        <p:spPr/>
+        <p:txBody>
+          <a:bodyPr/>
+          <a:lstStyle/>
+          <a:p>
+            <a:r>
+              <a:t>Traffic volumep The volume of Internet traffic is difficult to measure, because no single point of measurement exists in the multi-tiered, non-hierarchical topology.</a:t>
+            </a:r>
+          </a:p>
+        </p:txBody>
+      </p:sp>
+    </p:spTree>
+  </p:cSld>
+  <p:clrMapOvr>
+    <a:masterClrMapping/>
+  </p:clrMapOvr>
+</p:sld>
+</file>
+
+<file path=ppt/slides/slide36.xml><?xml version="1.0" encoding="utf-8"?>
+<p:sld xmlns:a="http://schemas.openxmlformats.org/drawingml/2006/main" xmlns:p="http://schemas.openxmlformats.org/presentationml/2006/main" xmlns:r="http://schemas.openxmlformats.org/officeDocument/2006/relationships">
+  <p:cSld>
+    <p:spTree>
+      <p:nvGrpSpPr>
+        <p:cNvPr id="1" name=""/>
+        <p:cNvGrpSpPr/>
+        <p:nvPr/>
+      </p:nvGrpSpPr>
+      <p:grpSpPr/>
+      <p:sp>
+        <p:nvSpPr>
+          <p:cNvPr id="2" name="Title 1"/>
+          <p:cNvSpPr>
+            <a:spLocks noGrp="1"/>
+          </p:cNvSpPr>
+          <p:nvPr>
+            <p:ph type="title"/>
+          </p:nvPr>
+        </p:nvSpPr>
+        <p:spPr/>
+        <p:txBody>
+          <a:bodyPr/>
+          <a:lstStyle/>
+          <a:p>
+            <a:r>
+              <a:t>Outages</a:t>
+            </a:r>
+          </a:p>
+        </p:txBody>
+      </p:sp>
+      <p:sp>
+        <p:nvSpPr>
+          <p:cNvPr id="3" name="Content Placeholder 2"/>
+          <p:cNvSpPr>
+            <a:spLocks noGrp="1"/>
+          </p:cNvSpPr>
+          <p:nvPr>
+            <p:ph idx="1"/>
+          </p:nvPr>
+        </p:nvSpPr>
+        <p:spPr/>
+        <p:txBody>
+          <a:bodyPr/>
+          <a:lstStyle/>
+          <a:p>
+            <a:r>
+              <a:t>Outagesp An Internet blackout or outage can be caused by local signalling interruptions.</a:t>
+            </a:r>
+          </a:p>
+        </p:txBody>
+      </p:sp>
+    </p:spTree>
+  </p:cSld>
+  <p:clrMapOvr>
+    <a:masterClrMapping/>
+  </p:clrMapOvr>
+</p:sld>
+</file>
+
+<file path=ppt/slides/slide37.xml><?xml version="1.0" encoding="utf-8"?>
+<p:sld xmlns:a="http://schemas.openxmlformats.org/drawingml/2006/main" xmlns:p="http://schemas.openxmlformats.org/presentationml/2006/main" xmlns:r="http://schemas.openxmlformats.org/officeDocument/2006/relationships">
+  <p:cSld>
+    <p:spTree>
+      <p:nvGrpSpPr>
+        <p:cNvPr id="1" name=""/>
+        <p:cNvGrpSpPr/>
+        <p:nvPr/>
+      </p:nvGrpSpPr>
+      <p:grpSpPr/>
+      <p:sp>
+        <p:nvSpPr>
+          <p:cNvPr id="2" name="Title 1"/>
+          <p:cNvSpPr>
+            <a:spLocks noGrp="1"/>
+          </p:cNvSpPr>
+          <p:nvPr>
+            <p:ph type="title"/>
+          </p:nvPr>
+        </p:nvSpPr>
+        <p:spPr/>
+        <p:txBody>
+          <a:bodyPr/>
+          <a:lstStyle/>
+          <a:p>
+            <a:r>
+              <a:t>Energy use</a:t>
+            </a:r>
+          </a:p>
+        </p:txBody>
+      </p:sp>
+      <p:sp>
+        <p:nvSpPr>
+          <p:cNvPr id="3" name="Content Placeholder 2"/>
+          <p:cNvSpPr>
+            <a:spLocks noGrp="1"/>
+          </p:cNvSpPr>
+          <p:nvPr>
+            <p:ph idx="1"/>
+          </p:nvPr>
+        </p:nvSpPr>
+        <p:spPr/>
+        <p:txBody>
+          <a:bodyPr/>
+          <a:lstStyle/>
+          <a:p>
+            <a:r>
+              <a:t>Energy usep Estimates of the Internet's electricity usage have been the subject of controversy, according to a 2014 peer-reviewed research paper that found claims differing by a factor of 20,000 published in the literature during the preceding decade, ranging from 0.</a:t>
             </a:r>
           </a:p>
         </p:txBody>
@@ -3323,7 +5077,7 @@
           <a:lstStyle/>
           <a:p>
             <a:r>
-              <a:t>Childhood</a:t>
+              <a:t>contents</a:t>
             </a:r>
           </a:p>
         </p:txBody>
@@ -3344,9 +5098,50 @@
           <a:lstStyle/>
           <a:p>
             <a:r>
-              <a:t>Childhood Sadness is a common experience in childhood.</a:t>
-            </a:r>
-          </a:p>
+              <a:t>  -- Social networking and entertainment</a:t>
+            </a:r>
+          </a:p>
+          <a:p>
+            <a:r>
+              <a:t>  -- Electronic business</a:t>
+            </a:r>
+          </a:p>
+          <a:p>
+            <a:r>
+              <a:t>  -- Telecommuting</a:t>
+            </a:r>
+          </a:p>
+          <a:p>
+            <a:r>
+              <a:t>  -- Collaborative publishing</a:t>
+            </a:r>
+          </a:p>
+          <a:p>
+            <a:r>
+              <a:t>  -- Politics and political revolutions</a:t>
+            </a:r>
+          </a:p>
+          <a:p>
+            <a:r>
+              <a:t>  -- Philanthropy</a:t>
+            </a:r>
+          </a:p>
+          <a:p>
+            <a:r>
+              <a:t> Security</a:t>
+            </a:r>
+          </a:p>
+          <a:p>
+            <a:r>
+              <a:t>  -- Malware</a:t>
+            </a:r>
+          </a:p>
+          <a:p>
+            <a:r>
+              <a:t>  -- Surveillance</a:t>
+            </a:r>
+          </a:p>
+          <a:p/>
         </p:txBody>
       </p:sp>
     </p:spTree>
@@ -3383,7 +5178,7 @@
           <a:lstStyle/>
           <a:p>
             <a:r>
-              <a:t>Neuroanatomy</a:t>
+              <a:t>contents</a:t>
             </a:r>
           </a:p>
         </p:txBody>
@@ -3404,9 +5199,30 @@
           <a:lstStyle/>
           <a:p>
             <a:r>
-              <a:t>Neuroanatomy A large amount of research has been conducted on the neuroscience of sadness.</a:t>
-            </a:r>
-          </a:p>
+              <a:t>  -- Censorship</a:t>
+            </a:r>
+          </a:p>
+          <a:p>
+            <a:r>
+              <a:t> Performance</a:t>
+            </a:r>
+          </a:p>
+          <a:p>
+            <a:r>
+              <a:t>  -- Traffic volume</a:t>
+            </a:r>
+          </a:p>
+          <a:p>
+            <a:r>
+              <a:t>  -- Outages</a:t>
+            </a:r>
+          </a:p>
+          <a:p>
+            <a:r>
+              <a:t>  -- Energy use</a:t>
+            </a:r>
+          </a:p>
+          <a:p/>
         </p:txBody>
       </p:sp>
     </p:spTree>
@@ -3443,7 +5259,7 @@
           <a:lstStyle/>
           <a:p>
             <a:r>
-              <a:t>Coping mechanisms</a:t>
+              <a:t>Contents</a:t>
             </a:r>
           </a:p>
         </p:txBody>
@@ -3464,7 +5280,7 @@
           <a:lstStyle/>
           <a:p>
             <a:r>
-              <a:t>Coping mechanisms People deal with sadness in different ways, and it is an important emotion because it helps to motivate people to deal with their situation.</a:t>
+              <a:t>Contentsh2 Terminologyp The word internetted was used as early as 1849, meaning interconnected or interwoven.</a:t>
             </a:r>
           </a:p>
         </p:txBody>
@@ -3503,7 +5319,7 @@
           <a:lstStyle/>
           <a:p>
             <a:r>
-              <a:t>Pupil empathy</a:t>
+              <a:t>Terminology</a:t>
             </a:r>
           </a:p>
         </p:txBody>
@@ -3524,7 +5340,7 @@
           <a:lstStyle/>
           <a:p>
             <a:r>
-              <a:t>Pupil empathy Pupil size may be an indicator of sadness.</a:t>
+              <a:t>Terminologyp The word internetted was used as early as 1849, meaning interconnected or interwoven.</a:t>
             </a:r>
           </a:p>
         </p:txBody>
@@ -3563,7 +5379,7 @@
           <a:lstStyle/>
           <a:p>
             <a:r>
-              <a:t>Vocal expression</a:t>
+              <a:t>History</a:t>
             </a:r>
           </a:p>
         </p:txBody>
@@ -3584,7 +5400,7 @@
           <a:lstStyle/>
           <a:p>
             <a:r>
-              <a:t>Vocal expression According to DIPR scientist Swati Johar,[22]:VII sadness is an emotion "identified by current speech dialogue and processing systems".</a:t>
+              <a:t>Historyp In the 1960s, the Advanced Research Projects Agency (ARPA) of the United States Department of Defense funded research into time-sharing of computers.</a:t>
             </a:r>
           </a:p>
         </p:txBody>
@@ -3623,7 +5439,7 @@
           <a:lstStyle/>
           <a:p>
             <a:r>
-              <a:t>Cultural explorations</a:t>
+              <a:t>Governance</a:t>
             </a:r>
           </a:p>
         </p:txBody>
@@ -3644,7 +5460,7 @@
           <a:lstStyle/>
           <a:p>
             <a:r>
-              <a:t>Cultural explorations During the Renaissance, Edmund Spenser in The Faerie Queene endorsed sadness as a marker of spiritual commitment.</a:t>
+              <a:t>Governancep The Internet is a global network that comprises many voluntarily interconnected autonomous networks.</a:t>
             </a:r>
           </a:p>
         </p:txBody>
